--- a/presentation_report_BERT/bert_presentation_v2.pptx
+++ b/presentation_report_BERT/bert_presentation_v2.pptx
@@ -64,8 +64,9 @@
     <p:sldId id="305" r:id="rId58"/>
     <p:sldId id="307" r:id="rId59"/>
     <p:sldId id="310" r:id="rId60"/>
-    <p:sldId id="311" r:id="rId61"/>
-    <p:sldId id="312" r:id="rId62"/>
+    <p:sldId id="318" r:id="rId61"/>
+    <p:sldId id="311" r:id="rId62"/>
+    <p:sldId id="312" r:id="rId63"/>
   </p:sldIdLst>
   <p:sldSz cx="12192000" cy="6858000"/>
   <p:notesSz cx="6858000" cy="9144000"/>
@@ -178,7 +179,7 @@
     <p1510:client id="{2265CA43-14E5-D277-2E2F-11941BEBB370}" v="2" dt="2022-06-05T20:49:40.240"/>
     <p1510:client id="{9E89CCCB-5062-0870-E502-ABB18CCE9EA4}" v="5236" dt="2022-06-05T21:11:30.517"/>
     <p1510:client id="{ADB119BA-3BC3-4152-96E3-54F1709AEAF5}" v="1" dt="2022-06-05T15:08:01.046"/>
-    <p1510:client id="{D7DDF176-2588-8EE6-1B4F-5B4F6395216D}" v="11" dt="2022-06-07T09:32:26.204"/>
+    <p1510:client id="{D7DDF176-2588-8EE6-1B4F-5B4F6395216D}" v="118" dt="2022-06-07T09:43:42.686"/>
     <p1510:client id="{FD0E2DCE-E611-F6B7-47C5-D417EB019C8B}" v="385" dt="2022-06-05T22:11:06.830"/>
   </p1510:revLst>
 </p1510:revInfo>
@@ -30144,6 +30145,206 @@
 <file path=ppt/slides/slide60.xml><?xml version="1.0" encoding="utf-8"?>
 <p:sld xmlns:a="http://schemas.openxmlformats.org/drawingml/2006/main" xmlns:r="http://schemas.openxmlformats.org/officeDocument/2006/relationships" xmlns:p="http://schemas.openxmlformats.org/presentationml/2006/main">
   <p:cSld>
+    <p:spTree>
+      <p:nvGrpSpPr>
+        <p:cNvPr id="1" name=""/>
+        <p:cNvGrpSpPr/>
+        <p:nvPr/>
+      </p:nvGrpSpPr>
+      <p:grpSpPr>
+        <a:xfrm>
+          <a:off x="0" y="0"/>
+          <a:ext cx="0" cy="0"/>
+          <a:chOff x="0" y="0"/>
+          <a:chExt cx="0" cy="0"/>
+        </a:xfrm>
+      </p:grpSpPr>
+      <p:sp>
+        <p:nvSpPr>
+          <p:cNvPr id="2" name="Title 1">
+            <a:extLst>
+              <a:ext uri="{FF2B5EF4-FFF2-40B4-BE49-F238E27FC236}">
+                <a16:creationId xmlns:a16="http://schemas.microsoft.com/office/drawing/2014/main" id="{724F6724-B345-737E-AE3C-890711EE0193}"/>
+              </a:ext>
+            </a:extLst>
+          </p:cNvPr>
+          <p:cNvSpPr>
+            <a:spLocks noGrp="1"/>
+          </p:cNvSpPr>
+          <p:nvPr>
+            <p:ph type="title"/>
+          </p:nvPr>
+        </p:nvSpPr>
+        <p:spPr/>
+        <p:txBody>
+          <a:bodyPr/>
+          <a:lstStyle/>
+          <a:p>
+            <a:r>
+              <a:rPr lang="en-US" dirty="0"/>
+              <a:t>Resources to learn transformers and BERT</a:t>
+            </a:r>
+          </a:p>
+        </p:txBody>
+      </p:sp>
+      <p:sp>
+        <p:nvSpPr>
+          <p:cNvPr id="3" name="Content Placeholder 2">
+            <a:extLst>
+              <a:ext uri="{FF2B5EF4-FFF2-40B4-BE49-F238E27FC236}">
+                <a16:creationId xmlns:a16="http://schemas.microsoft.com/office/drawing/2014/main" id="{CC8046B4-1A89-DCD5-EEEE-A0E99B08A832}"/>
+              </a:ext>
+            </a:extLst>
+          </p:cNvPr>
+          <p:cNvSpPr>
+            <a:spLocks noGrp="1"/>
+          </p:cNvSpPr>
+          <p:nvPr>
+            <p:ph idx="1"/>
+          </p:nvPr>
+        </p:nvSpPr>
+        <p:spPr/>
+        <p:txBody>
+          <a:bodyPr vert="horz" lIns="91440" tIns="45720" rIns="91440" bIns="45720" rtlCol="0" anchor="t">
+            <a:normAutofit/>
+          </a:bodyPr>
+          <a:lstStyle/>
+          <a:p>
+            <a:pPr marL="383540" indent="-383540"/>
+            <a:r>
+              <a:rPr lang="en-US" sz="2400" dirty="0">
+                <a:ea typeface="+mn-lt"/>
+                <a:cs typeface="+mn-lt"/>
+                <a:hlinkClick r:id="rId2"/>
+              </a:rPr>
+              <a:t>Videos by Eng Ahmed Fathi</a:t>
+            </a:r>
+            <a:r>
+              <a:rPr lang="en-US" sz="2400" dirty="0">
+                <a:ea typeface="+mn-lt"/>
+                <a:cs typeface="+mn-lt"/>
+              </a:rPr>
+              <a:t> very powerful. We built the background over it.</a:t>
+            </a:r>
+            <a:endParaRPr lang="en-US" sz="2400"/>
+          </a:p>
+          <a:p>
+            <a:pPr marL="383540" indent="-383540"/>
+            <a:r>
+              <a:rPr lang="en-US" sz="2400" dirty="0">
+                <a:ea typeface="+mn-lt"/>
+                <a:cs typeface="+mn-lt"/>
+              </a:rPr>
+              <a:t> </a:t>
+            </a:r>
+            <a:r>
+              <a:rPr lang="en-US" sz="2400" dirty="0">
+                <a:ea typeface="+mn-lt"/>
+                <a:cs typeface="+mn-lt"/>
+                <a:hlinkClick r:id="rId3"/>
+              </a:rPr>
+              <a:t>"The Illustrated Transforms "</a:t>
+            </a:r>
+            <a:r>
+              <a:rPr lang="en-US" sz="2400" dirty="0">
+                <a:ea typeface="+mn-lt"/>
+                <a:cs typeface="+mn-lt"/>
+              </a:rPr>
+              <a:t> blog post by Jay.</a:t>
+            </a:r>
+            <a:endParaRPr lang="en-US" sz="2400"/>
+          </a:p>
+          <a:p>
+            <a:pPr marL="383540" indent="-383540"/>
+            <a:r>
+              <a:rPr lang="en-US" sz="2400" dirty="0">
+                <a:ea typeface="+mn-lt"/>
+                <a:cs typeface="+mn-lt"/>
+              </a:rPr>
+              <a:t> The paper itself: </a:t>
+            </a:r>
+            <a:r>
+              <a:rPr lang="en-US" sz="2400" dirty="0">
+                <a:ea typeface="+mn-lt"/>
+                <a:cs typeface="+mn-lt"/>
+                <a:hlinkClick r:id="rId4"/>
+              </a:rPr>
+              <a:t>Attention is all you need</a:t>
+            </a:r>
+            <a:r>
+              <a:rPr lang="en-US" sz="2400" dirty="0">
+                <a:ea typeface="+mn-lt"/>
+                <a:cs typeface="+mn-lt"/>
+              </a:rPr>
+              <a:t>.</a:t>
+            </a:r>
+            <a:endParaRPr lang="en-US" sz="2400"/>
+          </a:p>
+          <a:p>
+            <a:pPr marL="383540" indent="-383540"/>
+            <a:r>
+              <a:rPr lang="en-US" sz="2400" dirty="0">
+                <a:ea typeface="+mn-lt"/>
+                <a:cs typeface="+mn-lt"/>
+              </a:rPr>
+              <a:t> </a:t>
+            </a:r>
+            <a:r>
+              <a:rPr lang="en-US" sz="2400" dirty="0">
+                <a:ea typeface="+mn-lt"/>
+                <a:cs typeface="+mn-lt"/>
+                <a:hlinkClick r:id="rId5"/>
+              </a:rPr>
+              <a:t>Step by step explained Implementation of Transformers Notebook using Pytorch.</a:t>
+            </a:r>
+            <a:endParaRPr lang="en-US" sz="2400">
+              <a:ea typeface="+mn-lt"/>
+              <a:cs typeface="+mn-lt"/>
+            </a:endParaRPr>
+          </a:p>
+          <a:p>
+            <a:pPr marL="383540" indent="-383540"/>
+            <a:r>
+              <a:rPr lang="en-US" sz="2400" dirty="0">
+                <a:ea typeface="+mn-lt"/>
+                <a:cs typeface="+mn-lt"/>
+              </a:rPr>
+              <a:t> </a:t>
+            </a:r>
+            <a:r>
+              <a:rPr lang="en-US" sz="2400" dirty="0">
+                <a:ea typeface="+mn-lt"/>
+                <a:cs typeface="+mn-lt"/>
+                <a:hlinkClick r:id="rId6"/>
+              </a:rPr>
+              <a:t>"The Illustrated BERT "</a:t>
+            </a:r>
+            <a:r>
+              <a:rPr lang="en-US" sz="2400" dirty="0">
+                <a:ea typeface="+mn-lt"/>
+                <a:cs typeface="+mn-lt"/>
+              </a:rPr>
+              <a:t> blog post by Jay.</a:t>
+            </a:r>
+          </a:p>
+        </p:txBody>
+      </p:sp>
+    </p:spTree>
+    <p:extLst>
+      <p:ext uri="{BB962C8B-B14F-4D97-AF65-F5344CB8AC3E}">
+        <p14:creationId xmlns:p14="http://schemas.microsoft.com/office/powerpoint/2010/main" val="3779513122"/>
+      </p:ext>
+    </p:extLst>
+  </p:cSld>
+  <p:clrMapOvr>
+    <a:masterClrMapping/>
+  </p:clrMapOvr>
+</p:sld>
+</file>
+
+<file path=ppt/slides/slide61.xml><?xml version="1.0" encoding="utf-8"?>
+<p:sld xmlns:a="http://schemas.openxmlformats.org/drawingml/2006/main" xmlns:r="http://schemas.openxmlformats.org/officeDocument/2006/relationships" xmlns:p="http://schemas.openxmlformats.org/presentationml/2006/main">
+  <p:cSld>
     <p:bg>
       <p:bgPr>
         <a:solidFill>
@@ -30637,7 +30838,7 @@
 </p:sld>
 </file>
 
-<file path=ppt/slides/slide61.xml><?xml version="1.0" encoding="utf-8"?>
+<file path=ppt/slides/slide62.xml><?xml version="1.0" encoding="utf-8"?>
 <p:sld xmlns:a="http://schemas.openxmlformats.org/drawingml/2006/main" xmlns:r="http://schemas.openxmlformats.org/officeDocument/2006/relationships" xmlns:p="http://schemas.openxmlformats.org/presentationml/2006/main">
   <p:cSld>
     <p:bg>
